--- a/сайт презентация (1).pptx
+++ b/сайт презентация (1).pptx
@@ -1,22 +1,20 @@
 
 <file path=ppt/presentation.xml><?xml version="1.0" encoding="utf-8"?>
-<p:presentation xmlns:a="http://schemas.openxmlformats.org/drawingml/2006/main" xmlns:r="http://schemas.openxmlformats.org/officeDocument/2006/relationships" xmlns:p="http://schemas.openxmlformats.org/presentationml/2006/main" xmlns:m="http://schemas.openxmlformats.org/officeDocument/2006/math" xmlns:w="http://schemas.openxmlformats.org/wordprocessingml/2006/main" autoCompressPictures="0" saveSubsetFonts="1" strictFirstAndLastChars="0">
+<p:presentation xmlns:a="http://schemas.openxmlformats.org/drawingml/2006/main" xmlns:r="http://schemas.openxmlformats.org/officeDocument/2006/relationships" xmlns:p="http://schemas.openxmlformats.org/presentationml/2006/main" strictFirstAndLastChars="0" saveSubsetFonts="1" autoCompressPictures="0">
   <p:sldMasterIdLst>
     <p:sldMasterId id="2147483648" r:id="rId1"/>
   </p:sldMasterIdLst>
   <p:notesMasterIdLst>
-    <p:notesMasterId r:id="rId13"/>
+    <p:notesMasterId r:id="rId9"/>
   </p:notesMasterIdLst>
   <p:sldIdLst>
-    <p:sldId id="256" r:id="rId4"/>
-    <p:sldId id="257" r:id="rId5"/>
-    <p:sldId id="258" r:id="rId6"/>
-    <p:sldId id="259" r:id="rId7"/>
-    <p:sldId id="260" r:id="rId8"/>
-    <p:sldId id="261" r:id="rId9"/>
-    <p:sldId id="262" r:id="rId10"/>
-    <p:sldId id="263" r:id="rId11"/>
-    <p:sldId id="264" r:id="rId12"/>
+    <p:sldId id="256" r:id="rId2"/>
+    <p:sldId id="257" r:id="rId3"/>
+    <p:sldId id="258" r:id="rId4"/>
+    <p:sldId id="259" r:id="rId5"/>
+    <p:sldId id="262" r:id="rId6"/>
+    <p:sldId id="263" r:id="rId7"/>
+    <p:sldId id="264" r:id="rId8"/>
   </p:sldIdLst>
   <p:sldSz cx="12192000" cy="6858000"/>
   <p:notesSz cx="12192000" cy="6858000"/>
@@ -115,12 +113,28 @@
       </a:defRPr>
     </a:lvl9pPr>
   </p:defaultTextStyle>
+  <p:extLst>
+    <p:ext uri="{EFAFB233-063F-42B5-8137-9DF3F51BA10A}">
+      <p15:sldGuideLst xmlns:p15="http://schemas.microsoft.com/office/powerpoint/2012/main">
+        <p15:guide id="1" pos="3840">
+          <p15:clr>
+            <a:srgbClr val="A4A3A4"/>
+          </p15:clr>
+        </p15:guide>
+        <p15:guide id="2" orient="horz" pos="2160">
+          <p15:clr>
+            <a:srgbClr val="A4A3A4"/>
+          </p15:clr>
+        </p15:guide>
+      </p15:sldGuideLst>
+    </p:ext>
+  </p:extLst>
 </p:presentation>
 </file>
 
 <file path=ppt/notesMasters/notesMaster1.xml><?xml version="1.0" encoding="utf-8"?>
 <p:notesMaster xmlns:a="http://schemas.openxmlformats.org/drawingml/2006/main" xmlns:r="http://schemas.openxmlformats.org/officeDocument/2006/relationships" xmlns:p="http://schemas.openxmlformats.org/presentationml/2006/main">
-  <p:cSld name="">
+  <p:cSld>
     <p:bg>
       <p:bgRef idx="1001">
         <a:schemeClr val="bg1"/>
@@ -206,7 +220,7 @@
             </a:pPr>
             <a:fld id="{46D652B2-8C6E-419B-8E93-813F678ADC08}" type="datetimeFigureOut">
               <a:rPr lang="ru-RU"/>
-              <a:t/>
+              <a:t>17.09.2024</a:t>
             </a:fld>
             <a:endParaRPr lang="ru-RU"/>
           </a:p>
@@ -216,7 +230,7 @@
         <p:nvSpPr>
           <p:cNvPr id="4" name="Образ слайда 3"/>
           <p:cNvSpPr>
-            <a:spLocks noChangeAspect="1" noGrp="1" noRot="1"/>
+            <a:spLocks noGrp="1" noRot="1" noChangeAspect="1"/>
           </p:cNvSpPr>
           <p:nvPr>
             <p:ph type="sldImg" idx="2"/>
@@ -388,7 +402,7 @@
             </a:pPr>
             <a:fld id="{C6C6DC3D-C717-495C-B489-C044A339A551}" type="slidenum">
               <a:rPr lang="ru-RU"/>
-              <a:t/>
+              <a:t>‹#›</a:t>
             </a:fld>
             <a:endParaRPr lang="ru-RU"/>
           </a:p>
@@ -493,8 +507,8 @@
 </file>
 
 <file path=ppt/notesSlides/notesSlide1.xml><?xml version="1.0" encoding="utf-8"?>
-<p:notes xmlns:a="http://schemas.openxmlformats.org/drawingml/2006/main" xmlns:r="http://schemas.openxmlformats.org/officeDocument/2006/relationships" xmlns:p="http://schemas.openxmlformats.org/presentationml/2006/main" xmlns:m="http://schemas.openxmlformats.org/officeDocument/2006/math" xmlns:w="http://schemas.openxmlformats.org/wordprocessingml/2006/main">
-  <p:cSld name="">
+<p:notes xmlns:a="http://schemas.openxmlformats.org/drawingml/2006/main" xmlns:r="http://schemas.openxmlformats.org/officeDocument/2006/relationships" xmlns:p="http://schemas.openxmlformats.org/presentationml/2006/main">
+  <p:cSld>
     <p:spTree>
       <p:nvGrpSpPr>
         <p:cNvPr id="1" name=""/>
@@ -513,7 +527,7 @@
         <p:nvSpPr>
           <p:cNvPr id="2" name="Замещающий образ слайда 1"/>
           <p:cNvSpPr>
-            <a:spLocks noChangeAspect="1" noGrp="1" noRot="1"/>
+            <a:spLocks noGrp="1" noRot="1" noChangeAspect="1"/>
           </p:cNvSpPr>
           <p:nvPr>
             <p:ph type="sldImg" idx="2"/>
@@ -543,7 +557,6 @@
               <a:rPr lang="ru-RU"/>
               <a:t>Я хотел создать уголок, где каждый сможет ознакомиться со мной поближе, как формировались мои интересы, как я нахожу вдохновение. Мой сайт станет местом, где будут собраны яркие воспоминания.</a:t>
             </a:r>
-            <a:endParaRPr lang="ru-RU"/>
           </a:p>
           <a:p>
             <a:pPr>
@@ -555,12 +568,15 @@
       </p:sp>
     </p:spTree>
   </p:cSld>
+  <p:clrMapOvr>
+    <a:masterClrMapping/>
+  </p:clrMapOvr>
 </p:notes>
 </file>
 
 <file path=ppt/notesSlides/notesSlide2.xml><?xml version="1.0" encoding="utf-8"?>
-<p:notes xmlns:a="http://schemas.openxmlformats.org/drawingml/2006/main" xmlns:r="http://schemas.openxmlformats.org/officeDocument/2006/relationships" xmlns:p="http://schemas.openxmlformats.org/presentationml/2006/main" xmlns:m="http://schemas.openxmlformats.org/officeDocument/2006/math" xmlns:w="http://schemas.openxmlformats.org/wordprocessingml/2006/main">
-  <p:cSld name="">
+<p:notes xmlns:a="http://schemas.openxmlformats.org/drawingml/2006/main" xmlns:r="http://schemas.openxmlformats.org/officeDocument/2006/relationships" xmlns:p="http://schemas.openxmlformats.org/presentationml/2006/main">
+  <p:cSld>
     <p:spTree>
       <p:nvGrpSpPr>
         <p:cNvPr id="1" name=""/>
@@ -579,7 +595,7 @@
         <p:nvSpPr>
           <p:cNvPr id="2" name="Замещающий образ слайда 1"/>
           <p:cNvSpPr>
-            <a:spLocks noChangeAspect="1" noGrp="1" noRot="1"/>
+            <a:spLocks noGrp="1" noRot="1" noChangeAspect="1"/>
           </p:cNvSpPr>
           <p:nvPr>
             <p:ph type="sldImg" idx="2"/>
@@ -651,12 +667,15 @@
       </p:sp>
     </p:spTree>
   </p:cSld>
+  <p:clrMapOvr>
+    <a:masterClrMapping/>
+  </p:clrMapOvr>
 </p:notes>
 </file>
 
 <file path=ppt/notesSlides/notesSlide3.xml><?xml version="1.0" encoding="utf-8"?>
-<p:notes xmlns:a="http://schemas.openxmlformats.org/drawingml/2006/main" xmlns:r="http://schemas.openxmlformats.org/officeDocument/2006/relationships" xmlns:p="http://schemas.openxmlformats.org/presentationml/2006/main" xmlns:m="http://schemas.openxmlformats.org/officeDocument/2006/math" xmlns:w="http://schemas.openxmlformats.org/wordprocessingml/2006/main">
-  <p:cSld name="">
+<p:notes xmlns:a="http://schemas.openxmlformats.org/drawingml/2006/main" xmlns:r="http://schemas.openxmlformats.org/officeDocument/2006/relationships" xmlns:p="http://schemas.openxmlformats.org/presentationml/2006/main">
+  <p:cSld>
     <p:spTree>
       <p:nvGrpSpPr>
         <p:cNvPr id="1" name=""/>
@@ -675,7 +694,7 @@
         <p:nvSpPr>
           <p:cNvPr id="2" name="Замещающий образ слайда 1"/>
           <p:cNvSpPr>
-            <a:spLocks noChangeAspect="1" noGrp="1" noRot="1"/>
+            <a:spLocks noGrp="1" noRot="1" noChangeAspect="1"/>
           </p:cNvSpPr>
           <p:nvPr>
             <p:ph type="sldImg" idx="2"/>
@@ -702,36 +721,47 @@
               <a:defRPr/>
             </a:pPr>
             <a:r>
-              <a:rPr lang="ru-RU"/>
-              <a:t>Масштабируемость моего сайта позволит ему органично расти вместе со мной.С расширением моих горизонтов и добавлением новых увлечений, я смогу легко интегрировать разнообразный контент — от статей и фотографий до видео и интерактивных элементов.</a:t>
-            </a:r>
-            <a:endParaRPr/>
-          </a:p>
-          <a:p>
-            <a:pPr>
-              <a:defRPr/>
-            </a:pPr>
-            <a:endParaRPr lang="ru-RU"/>
-          </a:p>
-          <a:p>
-            <a:pPr>
-              <a:defRPr/>
-            </a:pPr>
-            <a:r>
-              <a:rPr lang="ru-RU"/>
+              <a:rPr lang="ru-RU" dirty="0"/>
+              <a:t>Масштабируемость моего сайта позволит ему органично расти вместе со </a:t>
+            </a:r>
+            <a:r>
+              <a:rPr lang="ru-RU" dirty="0" err="1"/>
+              <a:t>мной.С</a:t>
+            </a:r>
+            <a:r>
+              <a:rPr lang="ru-RU" dirty="0"/>
+              <a:t> расширением моих горизонтов и добавлением новых увлечений, я смогу легко интегрировать разнообразный контент — от статей и фотографий до видео и интерактивных элементов.</a:t>
+            </a:r>
+            <a:endParaRPr dirty="0"/>
+          </a:p>
+          <a:p>
+            <a:pPr>
+              <a:defRPr/>
+            </a:pPr>
+            <a:endParaRPr lang="ru-RU" dirty="0"/>
+          </a:p>
+          <a:p>
+            <a:pPr>
+              <a:defRPr/>
+            </a:pPr>
+            <a:r>
+              <a:rPr lang="ru-RU" dirty="0"/>
               <a:t>По мере моего развития я могу добавлять на сайт рекламу своих курсов и прям там их и продавать.</a:t>
             </a:r>
-            <a:endParaRPr/>
+            <a:endParaRPr dirty="0"/>
           </a:p>
         </p:txBody>
       </p:sp>
     </p:spTree>
   </p:cSld>
+  <p:clrMapOvr>
+    <a:masterClrMapping/>
+  </p:clrMapOvr>
 </p:notes>
 </file>
 
 <file path=ppt/slideLayouts/slideLayout1.xml><?xml version="1.0" encoding="utf-8"?>
-<p:sldLayout xmlns:a="http://schemas.openxmlformats.org/drawingml/2006/main" xmlns:r="http://schemas.openxmlformats.org/officeDocument/2006/relationships" xmlns:p="http://schemas.openxmlformats.org/presentationml/2006/main" xmlns:m="http://schemas.openxmlformats.org/officeDocument/2006/math" xmlns:w="http://schemas.openxmlformats.org/wordprocessingml/2006/main" matchingName="" preserve="1" showMasterPhAnim="0" type="title" userDrawn="1">
+<p:sldLayout xmlns:a="http://schemas.openxmlformats.org/drawingml/2006/main" xmlns:r="http://schemas.openxmlformats.org/officeDocument/2006/relationships" xmlns:p="http://schemas.openxmlformats.org/presentationml/2006/main" showMasterPhAnim="0" type="title" preserve="1" userDrawn="1">
   <p:cSld name="Титульный слайд">
     <p:spTree>
       <p:nvGrpSpPr>
@@ -870,7 +900,7 @@
             </a:pPr>
             <a:fld id="{D19DC386-E21A-4674-8D09-53D20134A5AF}" type="datetimeFigureOut">
               <a:rPr lang="ru-RU"/>
-              <a:t/>
+              <a:t>17.09.2024</a:t>
             </a:fld>
             <a:endParaRPr lang="ru-RU"/>
           </a:p>
@@ -918,7 +948,7 @@
             </a:pPr>
             <a:fld id="{5F555144-9D2E-4141-8B4D-C3E9CDA29634}" type="slidenum">
               <a:rPr lang="ru-RU"/>
-              <a:t/>
+              <a:t>‹#›</a:t>
             </a:fld>
             <a:endParaRPr lang="ru-RU"/>
           </a:p>
@@ -933,7 +963,7 @@
 </file>
 
 <file path=ppt/slideLayouts/slideLayout10.xml><?xml version="1.0" encoding="utf-8"?>
-<p:sldLayout xmlns:a="http://schemas.openxmlformats.org/drawingml/2006/main" xmlns:r="http://schemas.openxmlformats.org/officeDocument/2006/relationships" xmlns:p="http://schemas.openxmlformats.org/presentationml/2006/main" xmlns:m="http://schemas.openxmlformats.org/officeDocument/2006/math" xmlns:w="http://schemas.openxmlformats.org/wordprocessingml/2006/main" matchingName="" preserve="1" showMasterPhAnim="0" type="vertTx" userDrawn="1">
+<p:sldLayout xmlns:a="http://schemas.openxmlformats.org/drawingml/2006/main" xmlns:r="http://schemas.openxmlformats.org/officeDocument/2006/relationships" xmlns:p="http://schemas.openxmlformats.org/presentationml/2006/main" showMasterPhAnim="0" type="vertTx" preserve="1" userDrawn="1">
   <p:cSld name="Заголовок и вертикальный текст">
     <p:spTree>
       <p:nvGrpSpPr>
@@ -1061,7 +1091,7 @@
             </a:pPr>
             <a:fld id="{D19DC386-E21A-4674-8D09-53D20134A5AF}" type="datetimeFigureOut">
               <a:rPr lang="ru-RU"/>
-              <a:t/>
+              <a:t>17.09.2024</a:t>
             </a:fld>
             <a:endParaRPr lang="ru-RU"/>
           </a:p>
@@ -1109,7 +1139,7 @@
             </a:pPr>
             <a:fld id="{5F555144-9D2E-4141-8B4D-C3E9CDA29634}" type="slidenum">
               <a:rPr lang="ru-RU"/>
-              <a:t/>
+              <a:t>‹#›</a:t>
             </a:fld>
             <a:endParaRPr lang="ru-RU"/>
           </a:p>
@@ -1124,7 +1154,7 @@
 </file>
 
 <file path=ppt/slideLayouts/slideLayout11.xml><?xml version="1.0" encoding="utf-8"?>
-<p:sldLayout xmlns:a="http://schemas.openxmlformats.org/drawingml/2006/main" xmlns:r="http://schemas.openxmlformats.org/officeDocument/2006/relationships" xmlns:p="http://schemas.openxmlformats.org/presentationml/2006/main" xmlns:m="http://schemas.openxmlformats.org/officeDocument/2006/math" xmlns:w="http://schemas.openxmlformats.org/wordprocessingml/2006/main" matchingName="" preserve="1" showMasterPhAnim="0" type="vertTitleAndTx" userDrawn="1">
+<p:sldLayout xmlns:a="http://schemas.openxmlformats.org/drawingml/2006/main" xmlns:r="http://schemas.openxmlformats.org/officeDocument/2006/relationships" xmlns:p="http://schemas.openxmlformats.org/presentationml/2006/main" showMasterPhAnim="0" type="vertTitleAndTx" preserve="1" userDrawn="1">
   <p:cSld name="Вертикальный заголовок и текст">
     <p:spTree>
       <p:nvGrpSpPr>
@@ -1262,7 +1292,7 @@
             </a:pPr>
             <a:fld id="{D19DC386-E21A-4674-8D09-53D20134A5AF}" type="datetimeFigureOut">
               <a:rPr lang="ru-RU"/>
-              <a:t/>
+              <a:t>17.09.2024</a:t>
             </a:fld>
             <a:endParaRPr lang="ru-RU"/>
           </a:p>
@@ -1310,7 +1340,7 @@
             </a:pPr>
             <a:fld id="{5F555144-9D2E-4141-8B4D-C3E9CDA29634}" type="slidenum">
               <a:rPr lang="ru-RU"/>
-              <a:t/>
+              <a:t>‹#›</a:t>
             </a:fld>
             <a:endParaRPr lang="ru-RU"/>
           </a:p>
@@ -1325,7 +1355,7 @@
 </file>
 
 <file path=ppt/slideLayouts/slideLayout12.xml><?xml version="1.0" encoding="utf-8"?>
-<p:sldLayout xmlns:a="http://schemas.openxmlformats.org/drawingml/2006/main" xmlns:r="http://schemas.openxmlformats.org/officeDocument/2006/relationships" xmlns:p="http://schemas.openxmlformats.org/presentationml/2006/main" xmlns:m="http://schemas.openxmlformats.org/officeDocument/2006/math" xmlns:w="http://schemas.openxmlformats.org/wordprocessingml/2006/main" matchingName="" preserve="1" showMasterPhAnim="0" type="tx" userDrawn="1">
+<p:sldLayout xmlns:a="http://schemas.openxmlformats.org/drawingml/2006/main" xmlns:r="http://schemas.openxmlformats.org/officeDocument/2006/relationships" xmlns:p="http://schemas.openxmlformats.org/presentationml/2006/main" showMasterPhAnim="0" type="tx" preserve="1" userDrawn="1">
   <p:cSld name="Заголовок и текст">
     <p:spTree>
       <p:nvGrpSpPr>
@@ -1453,7 +1483,7 @@
             </a:pPr>
             <a:fld id="{D19DC386-E21A-4674-8D09-53D20134A5AF}" type="datetimeFigureOut">
               <a:rPr lang="ru-RU"/>
-              <a:t/>
+              <a:t>17.09.2024</a:t>
             </a:fld>
             <a:endParaRPr lang="ru-RU"/>
           </a:p>
@@ -1501,7 +1531,7 @@
             </a:pPr>
             <a:fld id="{5F555144-9D2E-4141-8B4D-C3E9CDA29634}" type="slidenum">
               <a:rPr lang="ru-RU"/>
-              <a:t/>
+              <a:t>‹#›</a:t>
             </a:fld>
             <a:endParaRPr lang="ru-RU"/>
           </a:p>
@@ -1516,7 +1546,7 @@
 </file>
 
 <file path=ppt/slideLayouts/slideLayout2.xml><?xml version="1.0" encoding="utf-8"?>
-<p:sldLayout xmlns:a="http://schemas.openxmlformats.org/drawingml/2006/main" xmlns:r="http://schemas.openxmlformats.org/officeDocument/2006/relationships" xmlns:p="http://schemas.openxmlformats.org/presentationml/2006/main" xmlns:m="http://schemas.openxmlformats.org/officeDocument/2006/math" xmlns:w="http://schemas.openxmlformats.org/wordprocessingml/2006/main" matchingName="" preserve="1" showMasterPhAnim="0" type="obj" userDrawn="1">
+<p:sldLayout xmlns:a="http://schemas.openxmlformats.org/drawingml/2006/main" xmlns:r="http://schemas.openxmlformats.org/officeDocument/2006/relationships" xmlns:p="http://schemas.openxmlformats.org/presentationml/2006/main" showMasterPhAnim="0" type="obj" preserve="1" userDrawn="1">
   <p:cSld name="Заголовок и объект">
     <p:spTree>
       <p:nvGrpSpPr>
@@ -1644,7 +1674,7 @@
             </a:pPr>
             <a:fld id="{D19DC386-E21A-4674-8D09-53D20134A5AF}" type="datetimeFigureOut">
               <a:rPr lang="ru-RU"/>
-              <a:t/>
+              <a:t>17.09.2024</a:t>
             </a:fld>
             <a:endParaRPr lang="ru-RU"/>
           </a:p>
@@ -1692,7 +1722,7 @@
             </a:pPr>
             <a:fld id="{5F555144-9D2E-4141-8B4D-C3E9CDA29634}" type="slidenum">
               <a:rPr lang="ru-RU"/>
-              <a:t/>
+              <a:t>‹#›</a:t>
             </a:fld>
             <a:endParaRPr lang="ru-RU"/>
           </a:p>
@@ -1707,7 +1737,7 @@
 </file>
 
 <file path=ppt/slideLayouts/slideLayout3.xml><?xml version="1.0" encoding="utf-8"?>
-<p:sldLayout xmlns:a="http://schemas.openxmlformats.org/drawingml/2006/main" xmlns:r="http://schemas.openxmlformats.org/officeDocument/2006/relationships" xmlns:p="http://schemas.openxmlformats.org/presentationml/2006/main" xmlns:m="http://schemas.openxmlformats.org/officeDocument/2006/math" xmlns:w="http://schemas.openxmlformats.org/wordprocessingml/2006/main" matchingName="" preserve="1" showMasterPhAnim="0" type="secHead" userDrawn="1">
+<p:sldLayout xmlns:a="http://schemas.openxmlformats.org/drawingml/2006/main" xmlns:r="http://schemas.openxmlformats.org/officeDocument/2006/relationships" xmlns:p="http://schemas.openxmlformats.org/presentationml/2006/main" showMasterPhAnim="0" type="secHead" preserve="1" userDrawn="1">
   <p:cSld name="Заголовок раздела">
     <p:spTree>
       <p:nvGrpSpPr>
@@ -1900,7 +1930,7 @@
             </a:pPr>
             <a:fld id="{D19DC386-E21A-4674-8D09-53D20134A5AF}" type="datetimeFigureOut">
               <a:rPr lang="ru-RU"/>
-              <a:t/>
+              <a:t>17.09.2024</a:t>
             </a:fld>
             <a:endParaRPr lang="ru-RU"/>
           </a:p>
@@ -1948,7 +1978,7 @@
             </a:pPr>
             <a:fld id="{5F555144-9D2E-4141-8B4D-C3E9CDA29634}" type="slidenum">
               <a:rPr lang="ru-RU"/>
-              <a:t/>
+              <a:t>‹#›</a:t>
             </a:fld>
             <a:endParaRPr lang="ru-RU"/>
           </a:p>
@@ -1963,7 +1993,7 @@
 </file>
 
 <file path=ppt/slideLayouts/slideLayout4.xml><?xml version="1.0" encoding="utf-8"?>
-<p:sldLayout xmlns:a="http://schemas.openxmlformats.org/drawingml/2006/main" xmlns:r="http://schemas.openxmlformats.org/officeDocument/2006/relationships" xmlns:p="http://schemas.openxmlformats.org/presentationml/2006/main" xmlns:m="http://schemas.openxmlformats.org/officeDocument/2006/math" xmlns:w="http://schemas.openxmlformats.org/wordprocessingml/2006/main" matchingName="" preserve="1" showMasterPhAnim="0" type="twoObj" userDrawn="1">
+<p:sldLayout xmlns:a="http://schemas.openxmlformats.org/drawingml/2006/main" xmlns:r="http://schemas.openxmlformats.org/officeDocument/2006/relationships" xmlns:p="http://schemas.openxmlformats.org/presentationml/2006/main" showMasterPhAnim="0" type="twoObj" preserve="1" userDrawn="1">
   <p:cSld name="Два объекта">
     <p:spTree>
       <p:nvGrpSpPr>
@@ -2167,7 +2197,7 @@
             </a:pPr>
             <a:fld id="{D19DC386-E21A-4674-8D09-53D20134A5AF}" type="datetimeFigureOut">
               <a:rPr lang="ru-RU"/>
-              <a:t/>
+              <a:t>17.09.2024</a:t>
             </a:fld>
             <a:endParaRPr lang="ru-RU"/>
           </a:p>
@@ -2215,7 +2245,7 @@
             </a:pPr>
             <a:fld id="{5F555144-9D2E-4141-8B4D-C3E9CDA29634}" type="slidenum">
               <a:rPr lang="ru-RU"/>
-              <a:t/>
+              <a:t>‹#›</a:t>
             </a:fld>
             <a:endParaRPr lang="ru-RU"/>
           </a:p>
@@ -2230,7 +2260,7 @@
 </file>
 
 <file path=ppt/slideLayouts/slideLayout5.xml><?xml version="1.0" encoding="utf-8"?>
-<p:sldLayout xmlns:a="http://schemas.openxmlformats.org/drawingml/2006/main" xmlns:r="http://schemas.openxmlformats.org/officeDocument/2006/relationships" xmlns:p="http://schemas.openxmlformats.org/presentationml/2006/main" xmlns:m="http://schemas.openxmlformats.org/officeDocument/2006/math" xmlns:w="http://schemas.openxmlformats.org/wordprocessingml/2006/main" matchingName="" preserve="1" showMasterPhAnim="0" type="twoTxTwoObj" userDrawn="1">
+<p:sldLayout xmlns:a="http://schemas.openxmlformats.org/drawingml/2006/main" xmlns:r="http://schemas.openxmlformats.org/officeDocument/2006/relationships" xmlns:p="http://schemas.openxmlformats.org/presentationml/2006/main" showMasterPhAnim="0" type="twoTxTwoObj" preserve="1" userDrawn="1">
   <p:cSld name="Сравнение">
     <p:spTree>
       <p:nvGrpSpPr>
@@ -2575,7 +2605,7 @@
             </a:pPr>
             <a:fld id="{D19DC386-E21A-4674-8D09-53D20134A5AF}" type="datetimeFigureOut">
               <a:rPr lang="ru-RU"/>
-              <a:t/>
+              <a:t>17.09.2024</a:t>
             </a:fld>
             <a:endParaRPr lang="ru-RU"/>
           </a:p>
@@ -2623,7 +2653,7 @@
             </a:pPr>
             <a:fld id="{5F555144-9D2E-4141-8B4D-C3E9CDA29634}" type="slidenum">
               <a:rPr lang="ru-RU"/>
-              <a:t/>
+              <a:t>‹#›</a:t>
             </a:fld>
             <a:endParaRPr lang="ru-RU"/>
           </a:p>
@@ -2638,7 +2668,7 @@
 </file>
 
 <file path=ppt/slideLayouts/slideLayout6.xml><?xml version="1.0" encoding="utf-8"?>
-<p:sldLayout xmlns:a="http://schemas.openxmlformats.org/drawingml/2006/main" xmlns:r="http://schemas.openxmlformats.org/officeDocument/2006/relationships" xmlns:p="http://schemas.openxmlformats.org/presentationml/2006/main" xmlns:m="http://schemas.openxmlformats.org/officeDocument/2006/math" xmlns:w="http://schemas.openxmlformats.org/wordprocessingml/2006/main" matchingName="" preserve="1" showMasterPhAnim="0" type="titleOnly" userDrawn="1">
+<p:sldLayout xmlns:a="http://schemas.openxmlformats.org/drawingml/2006/main" xmlns:r="http://schemas.openxmlformats.org/officeDocument/2006/relationships" xmlns:p="http://schemas.openxmlformats.org/presentationml/2006/main" showMasterPhAnim="0" type="titleOnly" preserve="1" userDrawn="1">
   <p:cSld name="Только заголовок">
     <p:spTree>
       <p:nvGrpSpPr>
@@ -2700,7 +2730,7 @@
             </a:pPr>
             <a:fld id="{D19DC386-E21A-4674-8D09-53D20134A5AF}" type="datetimeFigureOut">
               <a:rPr lang="ru-RU"/>
-              <a:t/>
+              <a:t>17.09.2024</a:t>
             </a:fld>
             <a:endParaRPr lang="ru-RU"/>
           </a:p>
@@ -2748,7 +2778,7 @@
             </a:pPr>
             <a:fld id="{5F555144-9D2E-4141-8B4D-C3E9CDA29634}" type="slidenum">
               <a:rPr lang="ru-RU"/>
-              <a:t/>
+              <a:t>‹#›</a:t>
             </a:fld>
             <a:endParaRPr lang="ru-RU"/>
           </a:p>
@@ -2763,7 +2793,7 @@
 </file>
 
 <file path=ppt/slideLayouts/slideLayout7.xml><?xml version="1.0" encoding="utf-8"?>
-<p:sldLayout xmlns:a="http://schemas.openxmlformats.org/drawingml/2006/main" xmlns:r="http://schemas.openxmlformats.org/officeDocument/2006/relationships" xmlns:p="http://schemas.openxmlformats.org/presentationml/2006/main" xmlns:m="http://schemas.openxmlformats.org/officeDocument/2006/math" xmlns:w="http://schemas.openxmlformats.org/wordprocessingml/2006/main" matchingName="" preserve="1" showMasterPhAnim="0" type="blank" userDrawn="1">
+<p:sldLayout xmlns:a="http://schemas.openxmlformats.org/drawingml/2006/main" xmlns:r="http://schemas.openxmlformats.org/officeDocument/2006/relationships" xmlns:p="http://schemas.openxmlformats.org/presentationml/2006/main" showMasterPhAnim="0" type="blank" preserve="1" userDrawn="1">
   <p:cSld name="Пустой слайд">
     <p:spTree>
       <p:nvGrpSpPr>
@@ -2799,7 +2829,7 @@
             </a:pPr>
             <a:fld id="{D19DC386-E21A-4674-8D09-53D20134A5AF}" type="datetimeFigureOut">
               <a:rPr lang="ru-RU"/>
-              <a:t/>
+              <a:t>17.09.2024</a:t>
             </a:fld>
             <a:endParaRPr lang="ru-RU"/>
           </a:p>
@@ -2847,7 +2877,7 @@
             </a:pPr>
             <a:fld id="{5F555144-9D2E-4141-8B4D-C3E9CDA29634}" type="slidenum">
               <a:rPr lang="ru-RU"/>
-              <a:t/>
+              <a:t>‹#›</a:t>
             </a:fld>
             <a:endParaRPr lang="ru-RU"/>
           </a:p>
@@ -2862,7 +2892,7 @@
 </file>
 
 <file path=ppt/slideLayouts/slideLayout8.xml><?xml version="1.0" encoding="utf-8"?>
-<p:sldLayout xmlns:a="http://schemas.openxmlformats.org/drawingml/2006/main" xmlns:r="http://schemas.openxmlformats.org/officeDocument/2006/relationships" xmlns:p="http://schemas.openxmlformats.org/presentationml/2006/main" xmlns:m="http://schemas.openxmlformats.org/officeDocument/2006/math" xmlns:w="http://schemas.openxmlformats.org/wordprocessingml/2006/main" matchingName="" preserve="1" showMasterPhAnim="0" type="objTx" userDrawn="1">
+<p:sldLayout xmlns:a="http://schemas.openxmlformats.org/drawingml/2006/main" xmlns:r="http://schemas.openxmlformats.org/officeDocument/2006/relationships" xmlns:p="http://schemas.openxmlformats.org/presentationml/2006/main" showMasterPhAnim="0" type="objTx" preserve="1" userDrawn="1">
   <p:cSld name="Объект с подписью">
     <p:spTree>
       <p:nvGrpSpPr>
@@ -3100,7 +3130,7 @@
             </a:pPr>
             <a:fld id="{D19DC386-E21A-4674-8D09-53D20134A5AF}" type="datetimeFigureOut">
               <a:rPr lang="ru-RU"/>
-              <a:t/>
+              <a:t>17.09.2024</a:t>
             </a:fld>
             <a:endParaRPr lang="ru-RU"/>
           </a:p>
@@ -3148,7 +3178,7 @@
             </a:pPr>
             <a:fld id="{5F555144-9D2E-4141-8B4D-C3E9CDA29634}" type="slidenum">
               <a:rPr lang="ru-RU"/>
-              <a:t/>
+              <a:t>‹#›</a:t>
             </a:fld>
             <a:endParaRPr lang="ru-RU"/>
           </a:p>
@@ -3163,7 +3193,7 @@
 </file>
 
 <file path=ppt/slideLayouts/slideLayout9.xml><?xml version="1.0" encoding="utf-8"?>
-<p:sldLayout xmlns:a="http://schemas.openxmlformats.org/drawingml/2006/main" xmlns:r="http://schemas.openxmlformats.org/officeDocument/2006/relationships" xmlns:p="http://schemas.openxmlformats.org/presentationml/2006/main" xmlns:m="http://schemas.openxmlformats.org/officeDocument/2006/math" xmlns:w="http://schemas.openxmlformats.org/wordprocessingml/2006/main" matchingName="" preserve="1" showMasterPhAnim="0" type="picTx" userDrawn="1">
+<p:sldLayout xmlns:a="http://schemas.openxmlformats.org/drawingml/2006/main" xmlns:r="http://schemas.openxmlformats.org/officeDocument/2006/relationships" xmlns:p="http://schemas.openxmlformats.org/presentationml/2006/main" showMasterPhAnim="0" type="picTx" preserve="1" userDrawn="1">
   <p:cSld name="Рисунок с подписью">
     <p:spTree>
       <p:nvGrpSpPr>
@@ -3366,7 +3396,7 @@
             </a:pPr>
             <a:fld id="{D19DC386-E21A-4674-8D09-53D20134A5AF}" type="datetimeFigureOut">
               <a:rPr lang="ru-RU"/>
-              <a:t/>
+              <a:t>17.09.2024</a:t>
             </a:fld>
             <a:endParaRPr lang="ru-RU"/>
           </a:p>
@@ -3414,7 +3444,7 @@
             </a:pPr>
             <a:fld id="{5F555144-9D2E-4141-8B4D-C3E9CDA29634}" type="slidenum">
               <a:rPr lang="ru-RU"/>
-              <a:t/>
+              <a:t>‹#›</a:t>
             </a:fld>
             <a:endParaRPr lang="ru-RU"/>
           </a:p>
@@ -3429,8 +3459,8 @@
 </file>
 
 <file path=ppt/slideMasters/slideMaster1.xml><?xml version="1.0" encoding="utf-8"?>
-<p:sldMaster xmlns:a="http://schemas.openxmlformats.org/drawingml/2006/main" xmlns:r="http://schemas.openxmlformats.org/officeDocument/2006/relationships" xmlns:p="http://schemas.openxmlformats.org/presentationml/2006/main" xmlns:m="http://schemas.openxmlformats.org/officeDocument/2006/math" xmlns:w="http://schemas.openxmlformats.org/wordprocessingml/2006/main" preserve="0">
-  <p:cSld name="">
+<p:sldMaster xmlns:a="http://schemas.openxmlformats.org/drawingml/2006/main" xmlns:r="http://schemas.openxmlformats.org/officeDocument/2006/relationships" xmlns:p="http://schemas.openxmlformats.org/presentationml/2006/main">
+  <p:cSld>
     <p:bg>
       <p:bgRef idx="1001">
         <a:schemeClr val="bg1"/>
@@ -3600,7 +3630,7 @@
             </a:pPr>
             <a:fld id="{D19DC386-E21A-4674-8D09-53D20134A5AF}" type="datetimeFigureOut">
               <a:rPr lang="ru-RU"/>
-              <a:t/>
+              <a:t>17.09.2024</a:t>
             </a:fld>
             <a:endParaRPr lang="ru-RU"/>
           </a:p>
@@ -3684,7 +3714,7 @@
             </a:pPr>
             <a:fld id="{5F555144-9D2E-4141-8B4D-C3E9CDA29634}" type="slidenum">
               <a:rPr lang="ru-RU"/>
-              <a:t/>
+              <a:t>‹#›</a:t>
             </a:fld>
             <a:endParaRPr lang="ru-RU"/>
           </a:p>
@@ -3991,8 +4021,8 @@
 </file>
 
 <file path=ppt/slides/slide1.xml><?xml version="1.0" encoding="utf-8"?>
-<p:sld xmlns:a="http://schemas.openxmlformats.org/drawingml/2006/main" xmlns:r="http://schemas.openxmlformats.org/officeDocument/2006/relationships" xmlns:p="http://schemas.openxmlformats.org/presentationml/2006/main" xmlns:m="http://schemas.openxmlformats.org/officeDocument/2006/math" xmlns:w="http://schemas.openxmlformats.org/wordprocessingml/2006/main" showMasterPhAnim="0" show="1">
-  <p:cSld name="">
+<p:sld xmlns:a="http://schemas.openxmlformats.org/drawingml/2006/main" xmlns:r="http://schemas.openxmlformats.org/officeDocument/2006/relationships" xmlns:p="http://schemas.openxmlformats.org/presentationml/2006/main" showMasterPhAnim="0">
+  <p:cSld>
     <p:spTree>
       <p:nvGrpSpPr>
         <p:cNvPr id="1" name=""/>
@@ -4033,10 +4063,10 @@
               <a:defRPr/>
             </a:pPr>
             <a:r>
-              <a:rPr lang="ru-RU" sz="10000" b="0"/>
+              <a:rPr lang="ru-RU" sz="10000" b="0" dirty="0"/>
               <a:t>Сайт кофейни</a:t>
             </a:r>
-            <a:endParaRPr lang="en-US" sz="10000" b="1"/>
+            <a:endParaRPr lang="en-US" sz="10000" b="1" dirty="0"/>
           </a:p>
         </p:txBody>
       </p:sp>
@@ -4097,7 +4127,6 @@
               <a:rPr lang="ru-RU"/>
               <a:t>г.Одинцово</a:t>
             </a:r>
-            <a:endParaRPr lang="ru-RU"/>
           </a:p>
           <a:p>
             <a:pPr algn="r">
@@ -4116,20 +4145,12 @@
   <p:clrMapOvr>
     <a:masterClrMapping/>
   </p:clrMapOvr>
-  <mc:AlternateContent xmlns:mc="http://schemas.openxmlformats.org/markup-compatibility/2006">
-    <mc:Choice xmlns:p14="http://schemas.microsoft.com/office/powerpoint/2010/main" Requires="p14">
-      <p:transition p14:dur="2000" advClick="1"/>
-    </mc:Choice>
-    <mc:Fallback>
-      <p:transition advClick="1"/>
-    </mc:Fallback>
-  </mc:AlternateContent>
 </p:sld>
 </file>
 
 <file path=ppt/slides/slide2.xml><?xml version="1.0" encoding="utf-8"?>
-<p:sld xmlns:a="http://schemas.openxmlformats.org/drawingml/2006/main" xmlns:r="http://schemas.openxmlformats.org/officeDocument/2006/relationships" xmlns:p="http://schemas.openxmlformats.org/presentationml/2006/main" xmlns:m="http://schemas.openxmlformats.org/officeDocument/2006/math" xmlns:w="http://schemas.openxmlformats.org/wordprocessingml/2006/main" showMasterPhAnim="0" show="1">
-  <p:cSld name="">
+<p:sld xmlns:a="http://schemas.openxmlformats.org/drawingml/2006/main" xmlns:r="http://schemas.openxmlformats.org/officeDocument/2006/relationships" xmlns:p="http://schemas.openxmlformats.org/presentationml/2006/main" showMasterPhAnim="0">
+  <p:cSld>
     <p:spTree>
       <p:nvGrpSpPr>
         <p:cNvPr id="1" name=""/>
@@ -4147,14 +4168,16 @@
       <p:sp>
         <p:nvSpPr>
           <p:cNvPr id="16" name="Google Shape;16;p1"/>
-          <p:cNvSpPr txBox="1"/>
+          <p:cNvSpPr txBox="1">
+            <a:spLocks noGrp="1"/>
+          </p:cNvSpPr>
           <p:nvPr>
             <p:ph type="title"/>
           </p:nvPr>
         </p:nvSpPr>
         <p:spPr bwMode="auto">
           <a:xfrm>
-            <a:off x="318649" y="406950"/>
+            <a:off x="620395" y="476672"/>
             <a:ext cx="10066200" cy="1325700"/>
           </a:xfrm>
           <a:prstGeom prst="rect">
@@ -4190,17 +4213,19 @@
               <a:defRPr/>
             </a:pPr>
             <a:r>
-              <a:rPr lang="ru-RU" sz="9600"/>
+              <a:rPr lang="ru-RU" sz="6000" dirty="0"/>
               <a:t>Проблематика</a:t>
             </a:r>
-            <a:endParaRPr/>
+            <a:endParaRPr sz="6000" dirty="0"/>
           </a:p>
         </p:txBody>
       </p:sp>
       <p:sp>
         <p:nvSpPr>
           <p:cNvPr id="17" name="Google Shape;17;p1"/>
-          <p:cNvSpPr txBox="1"/>
+          <p:cNvSpPr txBox="1">
+            <a:spLocks noGrp="1"/>
+          </p:cNvSpPr>
           <p:nvPr>
             <p:ph type="body" idx="1"/>
           </p:nvPr>
@@ -4254,20 +4279,12 @@
   <p:clrMapOvr>
     <a:masterClrMapping/>
   </p:clrMapOvr>
-  <mc:AlternateContent xmlns:mc="http://schemas.openxmlformats.org/markup-compatibility/2006">
-    <mc:Choice xmlns:p14="http://schemas.microsoft.com/office/powerpoint/2010/main" Requires="p14">
-      <p:transition p14:dur="2000" advClick="1"/>
-    </mc:Choice>
-    <mc:Fallback>
-      <p:transition advClick="1"/>
-    </mc:Fallback>
-  </mc:AlternateContent>
 </p:sld>
 </file>
 
 <file path=ppt/slides/slide3.xml><?xml version="1.0" encoding="utf-8"?>
-<p:sld xmlns:a="http://schemas.openxmlformats.org/drawingml/2006/main" xmlns:r="http://schemas.openxmlformats.org/officeDocument/2006/relationships" xmlns:p="http://schemas.openxmlformats.org/presentationml/2006/main" xmlns:m="http://schemas.openxmlformats.org/officeDocument/2006/math" xmlns:w="http://schemas.openxmlformats.org/wordprocessingml/2006/main" showMasterPhAnim="0" show="1">
-  <p:cSld name="">
+<p:sld xmlns:a="http://schemas.openxmlformats.org/drawingml/2006/main" xmlns:r="http://schemas.openxmlformats.org/officeDocument/2006/relationships" xmlns:p="http://schemas.openxmlformats.org/presentationml/2006/main" showMasterPhAnim="0">
+  <p:cSld>
     <p:spTree>
       <p:nvGrpSpPr>
         <p:cNvPr id="1" name=""/>
@@ -4303,10 +4320,10 @@
               <a:defRPr/>
             </a:pPr>
             <a:r>
-              <a:rPr lang="ru-RU" sz="9600" b="1"/>
+              <a:rPr lang="ru-RU" sz="9600" dirty="0"/>
               <a:t>Идея</a:t>
             </a:r>
-            <a:endParaRPr/>
+            <a:endParaRPr dirty="0"/>
           </a:p>
         </p:txBody>
       </p:sp>
@@ -4335,10 +4352,10 @@
               <a:defRPr/>
             </a:pPr>
             <a:r>
-              <a:rPr lang="ru-RU" sz="3200"/>
+              <a:rPr lang="ru-RU" sz="3200" dirty="0"/>
               <a:t>Придумать макет сайта</a:t>
             </a:r>
-            <a:endParaRPr/>
+            <a:endParaRPr dirty="0"/>
           </a:p>
           <a:p>
             <a:pPr marL="914400" lvl="1" indent="-457200">
@@ -4346,10 +4363,10 @@
               <a:defRPr/>
             </a:pPr>
             <a:r>
-              <a:rPr lang="ru-RU" sz="3200"/>
-              <a:t>Реализовать скелет сайта</a:t>
-            </a:r>
-            <a:endParaRPr/>
+              <a:rPr lang="ru-RU" sz="3200" dirty="0"/>
+              <a:t>Реализовать архитектуру(скелет) сайта</a:t>
+            </a:r>
+            <a:endParaRPr dirty="0"/>
           </a:p>
           <a:p>
             <a:pPr marL="914400" lvl="1" indent="-457200">
@@ -4357,10 +4374,10 @@
               <a:defRPr/>
             </a:pPr>
             <a:r>
-              <a:rPr lang="ru-RU" sz="3200"/>
-              <a:t>Стилизовать созданный скелет</a:t>
-            </a:r>
-            <a:endParaRPr/>
+              <a:rPr lang="ru-RU" sz="3200" dirty="0"/>
+              <a:t>Стилизовать созданный скелет сайта</a:t>
+            </a:r>
+            <a:endParaRPr dirty="0"/>
           </a:p>
           <a:p>
             <a:pPr marL="914400" lvl="1" indent="-457200">
@@ -4368,10 +4385,10 @@
               <a:defRPr/>
             </a:pPr>
             <a:r>
-              <a:rPr lang="ru-RU" sz="3200"/>
-              <a:t>Анимировать</a:t>
-            </a:r>
-            <a:endParaRPr/>
+              <a:rPr lang="ru-RU" sz="3200" dirty="0"/>
+              <a:t>Анимировать сайт</a:t>
+            </a:r>
+            <a:endParaRPr dirty="0"/>
           </a:p>
         </p:txBody>
       </p:sp>
@@ -4380,20 +4397,12 @@
   <p:clrMapOvr>
     <a:masterClrMapping/>
   </p:clrMapOvr>
-  <mc:AlternateContent xmlns:mc="http://schemas.openxmlformats.org/markup-compatibility/2006">
-    <mc:Choice xmlns:p14="http://schemas.microsoft.com/office/powerpoint/2010/main" Requires="p14">
-      <p:transition p14:dur="2000" advClick="1"/>
-    </mc:Choice>
-    <mc:Fallback>
-      <p:transition advClick="1"/>
-    </mc:Fallback>
-  </mc:AlternateContent>
 </p:sld>
 </file>
 
 <file path=ppt/slides/slide4.xml><?xml version="1.0" encoding="utf-8"?>
-<p:sld xmlns:a="http://schemas.openxmlformats.org/drawingml/2006/main" xmlns:r="http://schemas.openxmlformats.org/officeDocument/2006/relationships" xmlns:p="http://schemas.openxmlformats.org/presentationml/2006/main" xmlns:m="http://schemas.openxmlformats.org/officeDocument/2006/math" xmlns:w="http://schemas.openxmlformats.org/wordprocessingml/2006/main" showMasterPhAnim="0" show="1">
-  <p:cSld name="">
+<p:sld xmlns:a="http://schemas.openxmlformats.org/drawingml/2006/main" xmlns:r="http://schemas.openxmlformats.org/officeDocument/2006/relationships" xmlns:p="http://schemas.openxmlformats.org/presentationml/2006/main" showMasterPhAnim="0">
+  <p:cSld>
     <p:spTree>
       <p:nvGrpSpPr>
         <p:cNvPr id="1" name=""/>
@@ -4408,136 +4417,15 @@
           <a:chExt cx="0" cy="0"/>
         </a:xfrm>
       </p:grpSpPr>
-      <p:sp>
-        <p:nvSpPr>
-          <p:cNvPr id="2" name="Заголовок 1"/>
-          <p:cNvSpPr>
-            <a:spLocks noGrp="1"/>
-          </p:cNvSpPr>
-          <p:nvPr>
-            <p:ph type="title"/>
-          </p:nvPr>
-        </p:nvSpPr>
-        <p:spPr bwMode="auto"/>
-        <p:txBody>
-          <a:bodyPr>
-            <a:normAutofit/>
-          </a:bodyPr>
-          <a:lstStyle/>
-          <a:p>
-            <a:pPr>
-              <a:defRPr/>
-            </a:pPr>
-            <a:r>
-              <a:rPr lang="ru-RU" sz="6700" b="1"/>
-              <a:t>Технологии</a:t>
-            </a:r>
-            <a:endParaRPr/>
-          </a:p>
-        </p:txBody>
-      </p:sp>
-      <p:sp>
-        <p:nvSpPr>
-          <p:cNvPr id="13" name="Замещающий текст 12"/>
-          <p:cNvSpPr>
-            <a:spLocks noGrp="1"/>
-          </p:cNvSpPr>
-          <p:nvPr>
-            <p:ph type="body" idx="1"/>
-          </p:nvPr>
-        </p:nvSpPr>
-        <p:spPr bwMode="auto">
-          <a:xfrm>
-            <a:off x="838200" y="1591945"/>
-            <a:ext cx="5931535" cy="4722495"/>
-          </a:xfrm>
-        </p:spPr>
-        <p:txBody>
-          <a:bodyPr>
-            <a:noAutofit/>
-          </a:bodyPr>
-          <a:lstStyle/>
-          <a:p>
-            <a:pPr marL="0" indent="0">
-              <a:buNone/>
-              <a:defRPr/>
-            </a:pPr>
-            <a:r>
-              <a:rPr lang="ru-RU" sz="2400"/>
-              <a:t>HTML (</a:t>
-            </a:r>
-            <a:r>
-              <a:rPr lang="ru-RU" sz="2400"/>
-              <a:t>Hypertext</a:t>
-            </a:r>
-            <a:r>
-              <a:rPr lang="ru-RU" sz="2400"/>
-              <a:t> </a:t>
-            </a:r>
-            <a:r>
-              <a:rPr lang="ru-RU" sz="2400"/>
-              <a:t>Markup</a:t>
-            </a:r>
-            <a:r>
-              <a:rPr lang="ru-RU" sz="2400"/>
-              <a:t> Language) - это код, который используется для структурирования и отображения веб-страницы и её контента.</a:t>
-            </a:r>
-            <a:endParaRPr/>
-          </a:p>
-          <a:p>
-            <a:pPr marL="0" indent="0">
-              <a:buNone/>
-              <a:defRPr/>
-            </a:pPr>
-            <a:r>
-              <a:rPr lang="ru-RU" sz="2400"/>
-              <a:t>CSS (</a:t>
-            </a:r>
-            <a:r>
-              <a:rPr lang="ru-RU" sz="2400"/>
-              <a:t>Cascading</a:t>
-            </a:r>
-            <a:r>
-              <a:rPr lang="ru-RU" sz="2400"/>
-              <a:t> Style </a:t>
-            </a:r>
-            <a:r>
-              <a:rPr lang="ru-RU" sz="2400"/>
-              <a:t>Sheets</a:t>
-            </a:r>
-            <a:r>
-              <a:rPr lang="ru-RU" sz="2400"/>
-              <a:t>)— формальный язык описания внешнего вида веб-страницы, написанного с использованием языка разметки (чаще всего HTML или XHTML).</a:t>
-            </a:r>
-            <a:endParaRPr/>
-          </a:p>
-          <a:p>
-            <a:pPr marL="0" indent="0">
-              <a:buNone/>
-              <a:defRPr/>
-            </a:pPr>
-            <a:r>
-              <a:rPr lang="en-US" sz="2400"/>
-              <a:t>JS(JavaScript)-</a:t>
-            </a:r>
-            <a:r>
-              <a:rPr lang="ru-RU" sz="2400"/>
-              <a:t>это интерпретируемый язык программирования высокого уровня, он позволяет создавать интерактивные веб-страницы.</a:t>
-            </a:r>
-            <a:endParaRPr lang="en-US" sz="2400"/>
-          </a:p>
-          <a:p>
-            <a:pPr marL="0" indent="0">
-              <a:buNone/>
-              <a:defRPr/>
-            </a:pPr>
-            <a:endParaRPr lang="en-US" sz="1200"/>
-          </a:p>
-        </p:txBody>
-      </p:sp>
       <p:pic>
         <p:nvPicPr>
-          <p:cNvPr id="3" name="Изображение 2" descr="html-logo-03"/>
+          <p:cNvPr id="9" name="Рисунок 8">
+            <a:extLst>
+              <a:ext uri="{FF2B5EF4-FFF2-40B4-BE49-F238E27FC236}">
+                <a16:creationId xmlns:a16="http://schemas.microsoft.com/office/drawing/2014/main" id="{6BF04CCA-6F13-69B8-1F7F-20B1714DD89B}"/>
+              </a:ext>
+            </a:extLst>
+          </p:cNvPr>
           <p:cNvPicPr>
             <a:picLocks noChangeAspect="1"/>
           </p:cNvPicPr>
@@ -4545,81 +4433,432 @@
         </p:nvPicPr>
         <p:blipFill>
           <a:blip r:embed="rId2"/>
-          <a:stretch/>
+          <a:stretch>
+            <a:fillRect/>
+          </a:stretch>
         </p:blipFill>
-        <p:spPr bwMode="auto">
+        <p:spPr>
           <a:xfrm>
-            <a:off x="9455150" y="1153795"/>
-            <a:ext cx="1349375" cy="1349375"/>
+            <a:off x="3346525" y="1340768"/>
+            <a:ext cx="5160636" cy="4968552"/>
           </a:xfrm>
           <a:prstGeom prst="rect">
             <a:avLst/>
           </a:prstGeom>
         </p:spPr>
       </p:pic>
-      <p:pic>
-        <p:nvPicPr>
-          <p:cNvPr id="5" name="Изображение 4" descr="javascript"/>
-          <p:cNvPicPr>
-            <a:picLocks noChangeAspect="1"/>
-          </p:cNvPicPr>
+      <p:sp>
+        <p:nvSpPr>
+          <p:cNvPr id="12" name="Дуга 11">
+            <a:extLst>
+              <a:ext uri="{FF2B5EF4-FFF2-40B4-BE49-F238E27FC236}">
+                <a16:creationId xmlns:a16="http://schemas.microsoft.com/office/drawing/2014/main" id="{C077D6C2-86CF-9911-EEAA-199B50F32268}"/>
+              </a:ext>
+            </a:extLst>
+          </p:cNvPr>
+          <p:cNvSpPr/>
           <p:nvPr/>
-        </p:nvPicPr>
-        <p:blipFill>
-          <a:blip r:embed="rId3"/>
-          <a:stretch/>
-        </p:blipFill>
-        <p:spPr bwMode="auto">
+        </p:nvSpPr>
+        <p:spPr>
+          <a:xfrm rot="19382875">
+            <a:off x="4434676" y="1066000"/>
+            <a:ext cx="2984333" cy="4497621"/>
+          </a:xfrm>
+          <a:prstGeom prst="arc">
+            <a:avLst/>
+          </a:prstGeom>
+        </p:spPr>
+        <p:style>
+          <a:lnRef idx="2">
+            <a:schemeClr val="dk1"/>
+          </a:lnRef>
+          <a:fillRef idx="0">
+            <a:schemeClr val="dk1"/>
+          </a:fillRef>
+          <a:effectRef idx="1">
+            <a:schemeClr val="dk1"/>
+          </a:effectRef>
+          <a:fontRef idx="minor">
+            <a:schemeClr val="tx1"/>
+          </a:fontRef>
+        </p:style>
+        <p:txBody>
+          <a:bodyPr rtlCol="0" anchor="ctr"/>
+          <a:lstStyle/>
+          <a:p>
+            <a:pPr algn="ctr"/>
+            <a:endParaRPr lang="ru-RU"/>
+          </a:p>
+        </p:txBody>
+      </p:sp>
+      <p:sp>
+        <p:nvSpPr>
+          <p:cNvPr id="18" name="Дуга 17">
+            <a:extLst>
+              <a:ext uri="{FF2B5EF4-FFF2-40B4-BE49-F238E27FC236}">
+                <a16:creationId xmlns:a16="http://schemas.microsoft.com/office/drawing/2014/main" id="{2388B74C-3948-0B22-27B7-80D69AA41515}"/>
+              </a:ext>
+            </a:extLst>
+          </p:cNvPr>
+          <p:cNvSpPr/>
+          <p:nvPr/>
+        </p:nvSpPr>
+        <p:spPr>
+          <a:xfrm rot="17792322">
+            <a:off x="3767571" y="3083252"/>
+            <a:ext cx="4030512" cy="3082145"/>
+          </a:xfrm>
+          <a:prstGeom prst="arc">
+            <a:avLst>
+              <a:gd name="adj1" fmla="val 16200000"/>
+              <a:gd name="adj2" fmla="val 411345"/>
+            </a:avLst>
+          </a:prstGeom>
+        </p:spPr>
+        <p:style>
+          <a:lnRef idx="2">
+            <a:schemeClr val="dk1"/>
+          </a:lnRef>
+          <a:fillRef idx="0">
+            <a:schemeClr val="dk1"/>
+          </a:fillRef>
+          <a:effectRef idx="1">
+            <a:schemeClr val="dk1"/>
+          </a:effectRef>
+          <a:fontRef idx="minor">
+            <a:schemeClr val="tx1"/>
+          </a:fontRef>
+        </p:style>
+        <p:txBody>
+          <a:bodyPr rtlCol="0" anchor="ctr"/>
+          <a:lstStyle/>
+          <a:p>
+            <a:pPr algn="ctr"/>
+            <a:endParaRPr lang="ru-RU"/>
+          </a:p>
+        </p:txBody>
+      </p:sp>
+      <p:sp>
+        <p:nvSpPr>
+          <p:cNvPr id="20" name="Дуга 19">
+            <a:extLst>
+              <a:ext uri="{FF2B5EF4-FFF2-40B4-BE49-F238E27FC236}">
+                <a16:creationId xmlns:a16="http://schemas.microsoft.com/office/drawing/2014/main" id="{7C71A978-C6AC-6E5A-A409-4CC6A756AF55}"/>
+              </a:ext>
+            </a:extLst>
+          </p:cNvPr>
+          <p:cNvSpPr/>
+          <p:nvPr/>
+        </p:nvSpPr>
+        <p:spPr>
+          <a:xfrm rot="9811848">
+            <a:off x="4331804" y="3983363"/>
+            <a:ext cx="3528392" cy="2088232"/>
+          </a:xfrm>
+          <a:prstGeom prst="arc">
+            <a:avLst>
+              <a:gd name="adj1" fmla="val 14232217"/>
+              <a:gd name="adj2" fmla="val 0"/>
+            </a:avLst>
+          </a:prstGeom>
+        </p:spPr>
+        <p:style>
+          <a:lnRef idx="2">
+            <a:schemeClr val="dk1"/>
+          </a:lnRef>
+          <a:fillRef idx="0">
+            <a:schemeClr val="dk1"/>
+          </a:fillRef>
+          <a:effectRef idx="1">
+            <a:schemeClr val="dk1"/>
+          </a:effectRef>
+          <a:fontRef idx="minor">
+            <a:schemeClr val="tx1"/>
+          </a:fontRef>
+        </p:style>
+        <p:txBody>
+          <a:bodyPr rtlCol="0" anchor="ctr"/>
+          <a:lstStyle/>
+          <a:p>
+            <a:pPr algn="ctr"/>
+            <a:endParaRPr lang="ru-RU"/>
+          </a:p>
+        </p:txBody>
+      </p:sp>
+      <p:cxnSp>
+        <p:nvCxnSpPr>
+          <p:cNvPr id="22" name="Прямая соединительная линия 21">
+            <a:extLst>
+              <a:ext uri="{FF2B5EF4-FFF2-40B4-BE49-F238E27FC236}">
+                <a16:creationId xmlns:a16="http://schemas.microsoft.com/office/drawing/2014/main" id="{72DAFC40-8A40-5C9F-32E6-DCEBA602AAC0}"/>
+              </a:ext>
+            </a:extLst>
+          </p:cNvPr>
+          <p:cNvCxnSpPr>
+            <a:cxnSpLocks/>
+          </p:cNvCxnSpPr>
+          <p:nvPr/>
+        </p:nvCxnSpPr>
+        <p:spPr>
+          <a:xfrm flipH="1">
+            <a:off x="6960096" y="2428778"/>
+            <a:ext cx="159195" cy="3088"/>
+          </a:xfrm>
+          <a:prstGeom prst="line">
+            <a:avLst/>
+          </a:prstGeom>
+        </p:spPr>
+        <p:style>
+          <a:lnRef idx="2">
+            <a:schemeClr val="dk1"/>
+          </a:lnRef>
+          <a:fillRef idx="0">
+            <a:schemeClr val="dk1"/>
+          </a:fillRef>
+          <a:effectRef idx="1">
+            <a:schemeClr val="dk1"/>
+          </a:effectRef>
+          <a:fontRef idx="minor">
+            <a:schemeClr val="tx1"/>
+          </a:fontRef>
+        </p:style>
+      </p:cxnSp>
+      <p:cxnSp>
+        <p:nvCxnSpPr>
+          <p:cNvPr id="24" name="Прямая соединительная линия 23">
+            <a:extLst>
+              <a:ext uri="{FF2B5EF4-FFF2-40B4-BE49-F238E27FC236}">
+                <a16:creationId xmlns:a16="http://schemas.microsoft.com/office/drawing/2014/main" id="{6A1D5A24-7EB0-23E9-C08D-38778F0BE3AD}"/>
+              </a:ext>
+            </a:extLst>
+          </p:cNvPr>
+          <p:cNvCxnSpPr>
+            <a:endCxn id="12" idx="2"/>
+          </p:cNvCxnSpPr>
+          <p:nvPr/>
+        </p:nvCxnSpPr>
+        <p:spPr>
           <a:xfrm>
-            <a:off x="8883015" y="4731385"/>
-            <a:ext cx="2531745" cy="1583055"/>
+            <a:off x="7119291" y="2276872"/>
+            <a:ext cx="0" cy="140928"/>
+          </a:xfrm>
+          <a:prstGeom prst="line">
+            <a:avLst/>
+          </a:prstGeom>
+        </p:spPr>
+        <p:style>
+          <a:lnRef idx="2">
+            <a:schemeClr val="dk1"/>
+          </a:lnRef>
+          <a:fillRef idx="0">
+            <a:schemeClr val="dk1"/>
+          </a:fillRef>
+          <a:effectRef idx="1">
+            <a:schemeClr val="dk1"/>
+          </a:effectRef>
+          <a:fontRef idx="minor">
+            <a:schemeClr val="tx1"/>
+          </a:fontRef>
+        </p:style>
+      </p:cxnSp>
+      <p:cxnSp>
+        <p:nvCxnSpPr>
+          <p:cNvPr id="28" name="Прямая соединительная линия 27">
+            <a:extLst>
+              <a:ext uri="{FF2B5EF4-FFF2-40B4-BE49-F238E27FC236}">
+                <a16:creationId xmlns:a16="http://schemas.microsoft.com/office/drawing/2014/main" id="{D0612BB8-675C-012F-C0A9-337526AEE171}"/>
+              </a:ext>
+            </a:extLst>
+          </p:cNvPr>
+          <p:cNvCxnSpPr>
+            <a:endCxn id="18" idx="0"/>
+          </p:cNvCxnSpPr>
+          <p:nvPr/>
+        </p:nvCxnSpPr>
+        <p:spPr>
+          <a:xfrm>
+            <a:off x="4295800" y="3717032"/>
+            <a:ext cx="108333" cy="218738"/>
+          </a:xfrm>
+          <a:prstGeom prst="line">
+            <a:avLst/>
+          </a:prstGeom>
+        </p:spPr>
+        <p:style>
+          <a:lnRef idx="2">
+            <a:schemeClr val="dk1"/>
+          </a:lnRef>
+          <a:fillRef idx="0">
+            <a:schemeClr val="dk1"/>
+          </a:fillRef>
+          <a:effectRef idx="1">
+            <a:schemeClr val="dk1"/>
+          </a:effectRef>
+          <a:fontRef idx="minor">
+            <a:schemeClr val="tx1"/>
+          </a:fontRef>
+        </p:style>
+      </p:cxnSp>
+      <p:cxnSp>
+        <p:nvCxnSpPr>
+          <p:cNvPr id="30" name="Прямая соединительная линия 29">
+            <a:extLst>
+              <a:ext uri="{FF2B5EF4-FFF2-40B4-BE49-F238E27FC236}">
+                <a16:creationId xmlns:a16="http://schemas.microsoft.com/office/drawing/2014/main" id="{95330E6F-115E-BD93-2F20-E86F44A58D7F}"/>
+              </a:ext>
+            </a:extLst>
+          </p:cNvPr>
+          <p:cNvCxnSpPr>
+            <a:stCxn id="18" idx="0"/>
+          </p:cNvCxnSpPr>
+          <p:nvPr/>
+        </p:nvCxnSpPr>
+        <p:spPr>
+          <a:xfrm flipV="1">
+            <a:off x="4404133" y="3826401"/>
+            <a:ext cx="179699" cy="109369"/>
+          </a:xfrm>
+          <a:prstGeom prst="line">
+            <a:avLst/>
+          </a:prstGeom>
+        </p:spPr>
+        <p:style>
+          <a:lnRef idx="2">
+            <a:schemeClr val="dk1"/>
+          </a:lnRef>
+          <a:fillRef idx="0">
+            <a:schemeClr val="dk1"/>
+          </a:fillRef>
+          <a:effectRef idx="1">
+            <a:schemeClr val="dk1"/>
+          </a:effectRef>
+          <a:fontRef idx="minor">
+            <a:schemeClr val="tx1"/>
+          </a:fontRef>
+        </p:style>
+      </p:cxnSp>
+      <p:cxnSp>
+        <p:nvCxnSpPr>
+          <p:cNvPr id="32" name="Прямая соединительная линия 31">
+            <a:extLst>
+              <a:ext uri="{FF2B5EF4-FFF2-40B4-BE49-F238E27FC236}">
+                <a16:creationId xmlns:a16="http://schemas.microsoft.com/office/drawing/2014/main" id="{A379EBB5-FC26-E86E-1B87-48E837BDDB00}"/>
+              </a:ext>
+            </a:extLst>
+          </p:cNvPr>
+          <p:cNvCxnSpPr>
+            <a:endCxn id="20" idx="0"/>
+          </p:cNvCxnSpPr>
+          <p:nvPr/>
+        </p:nvCxnSpPr>
+        <p:spPr>
+          <a:xfrm>
+            <a:off x="6816080" y="5733256"/>
+            <a:ext cx="159338" cy="51561"/>
+          </a:xfrm>
+          <a:prstGeom prst="line">
+            <a:avLst/>
+          </a:prstGeom>
+        </p:spPr>
+        <p:style>
+          <a:lnRef idx="2">
+            <a:schemeClr val="dk1"/>
+          </a:lnRef>
+          <a:fillRef idx="0">
+            <a:schemeClr val="dk1"/>
+          </a:fillRef>
+          <a:effectRef idx="1">
+            <a:schemeClr val="dk1"/>
+          </a:effectRef>
+          <a:fontRef idx="minor">
+            <a:schemeClr val="tx1"/>
+          </a:fontRef>
+        </p:style>
+      </p:cxnSp>
+      <p:cxnSp>
+        <p:nvCxnSpPr>
+          <p:cNvPr id="34" name="Прямая соединительная линия 33">
+            <a:extLst>
+              <a:ext uri="{FF2B5EF4-FFF2-40B4-BE49-F238E27FC236}">
+                <a16:creationId xmlns:a16="http://schemas.microsoft.com/office/drawing/2014/main" id="{7DC8C0A9-4E34-DE25-68D3-B025162BF2D5}"/>
+              </a:ext>
+            </a:extLst>
+          </p:cNvPr>
+          <p:cNvCxnSpPr/>
+          <p:nvPr/>
+        </p:nvCxnSpPr>
+        <p:spPr>
+          <a:xfrm flipV="1">
+            <a:off x="6960096" y="5784817"/>
+            <a:ext cx="15322" cy="164463"/>
+          </a:xfrm>
+          <a:prstGeom prst="line">
+            <a:avLst/>
+          </a:prstGeom>
+        </p:spPr>
+        <p:style>
+          <a:lnRef idx="2">
+            <a:schemeClr val="dk1"/>
+          </a:lnRef>
+          <a:fillRef idx="0">
+            <a:schemeClr val="dk1"/>
+          </a:fillRef>
+          <a:effectRef idx="1">
+            <a:schemeClr val="dk1"/>
+          </a:effectRef>
+          <a:fontRef idx="minor">
+            <a:schemeClr val="tx1"/>
+          </a:fontRef>
+        </p:style>
+      </p:cxnSp>
+      <p:sp>
+        <p:nvSpPr>
+          <p:cNvPr id="35" name="TextBox 34">
+            <a:extLst>
+              <a:ext uri="{FF2B5EF4-FFF2-40B4-BE49-F238E27FC236}">
+                <a16:creationId xmlns:a16="http://schemas.microsoft.com/office/drawing/2014/main" id="{B4016242-D047-6426-49AB-5A640576CB44}"/>
+              </a:ext>
+            </a:extLst>
+          </p:cNvPr>
+          <p:cNvSpPr txBox="1"/>
+          <p:nvPr/>
+        </p:nvSpPr>
+        <p:spPr>
+          <a:xfrm>
+            <a:off x="470043" y="396638"/>
+            <a:ext cx="3934090" cy="1015663"/>
           </a:xfrm>
           <a:prstGeom prst="rect">
             <a:avLst/>
           </a:prstGeom>
+          <a:noFill/>
         </p:spPr>
-      </p:pic>
-      <p:pic>
-        <p:nvPicPr>
-          <p:cNvPr id="6" name="Рисунок 5"/>
-          <p:cNvPicPr>
-            <a:picLocks noChangeAspect="1"/>
-          </p:cNvPicPr>
-          <p:nvPr/>
-        </p:nvPicPr>
-        <p:blipFill>
-          <a:blip r:embed="rId4"/>
-          <a:stretch/>
-        </p:blipFill>
-        <p:spPr bwMode="auto">
-          <a:xfrm>
-            <a:off x="9632827" y="2955819"/>
-            <a:ext cx="1032119" cy="1322914"/>
-          </a:xfrm>
-          <a:prstGeom prst="rect">
-            <a:avLst/>
-          </a:prstGeom>
-        </p:spPr>
-      </p:pic>
+        <p:txBody>
+          <a:bodyPr wrap="none" rtlCol="0">
+            <a:spAutoFit/>
+          </a:bodyPr>
+          <a:lstStyle/>
+          <a:p>
+            <a:r>
+              <a:rPr lang="ru-RU" sz="6000" dirty="0">
+                <a:latin typeface="+mj-lt"/>
+              </a:rPr>
+              <a:t>Технологии</a:t>
+            </a:r>
+          </a:p>
+        </p:txBody>
+      </p:sp>
     </p:spTree>
   </p:cSld>
   <p:clrMapOvr>
     <a:masterClrMapping/>
   </p:clrMapOvr>
-  <mc:AlternateContent xmlns:mc="http://schemas.openxmlformats.org/markup-compatibility/2006">
-    <mc:Choice xmlns:p14="http://schemas.microsoft.com/office/powerpoint/2010/main" Requires="p14">
-      <p:transition p14:dur="2000" advClick="1"/>
-    </mc:Choice>
-    <mc:Fallback>
-      <p:transition advClick="1"/>
-    </mc:Fallback>
-  </mc:AlternateContent>
 </p:sld>
 </file>
 
 <file path=ppt/slides/slide5.xml><?xml version="1.0" encoding="utf-8"?>
-<p:sld xmlns:a="http://schemas.openxmlformats.org/drawingml/2006/main" xmlns:r="http://schemas.openxmlformats.org/officeDocument/2006/relationships" xmlns:p="http://schemas.openxmlformats.org/presentationml/2006/main" xmlns:m="http://schemas.openxmlformats.org/officeDocument/2006/math" xmlns:w="http://schemas.openxmlformats.org/wordprocessingml/2006/main" showMasterPhAnim="0" show="1">
-  <p:cSld name="">
+<p:sld xmlns:a="http://schemas.openxmlformats.org/drawingml/2006/main" xmlns:r="http://schemas.openxmlformats.org/officeDocument/2006/relationships" xmlns:p="http://schemas.openxmlformats.org/presentationml/2006/main" showMasterPhAnim="0">
+  <p:cSld>
     <p:spTree>
       <p:nvGrpSpPr>
         <p:cNvPr id="1" name=""/>
@@ -4636,331 +4875,10 @@
       </p:grpSpPr>
       <p:sp>
         <p:nvSpPr>
-          <p:cNvPr id="19" name="Google Shape;19;p2"/>
-          <p:cNvSpPr txBox="1"/>
-          <p:nvPr>
-            <p:ph type="body" idx="2"/>
-          </p:nvPr>
-        </p:nvSpPr>
-        <p:spPr bwMode="auto">
-          <a:xfrm>
-            <a:off x="839788" y="2057400"/>
-            <a:ext cx="3932100" cy="3811500"/>
-          </a:xfrm>
-          <a:prstGeom prst="rect">
-            <a:avLst/>
-          </a:prstGeom>
-          <a:noFill/>
-          <a:ln>
-            <a:noFill/>
-          </a:ln>
-        </p:spPr>
-        <p:txBody>
-          <a:bodyPr spcFirstLastPara="1" wrap="square" lIns="91425" tIns="45700" rIns="91425" bIns="45700" anchor="t" anchorCtr="0">
-            <a:normAutofit/>
-          </a:bodyPr>
-          <a:lstStyle/>
-          <a:p>
-            <a:pPr marL="0" lvl="0" indent="0" algn="l">
-              <a:lnSpc>
-                <a:spcPct val="90000"/>
-              </a:lnSpc>
-              <a:spcBef>
-                <a:spcPts val="0"/>
-              </a:spcBef>
-              <a:spcAft>
-                <a:spcPts val="0"/>
-              </a:spcAft>
-              <a:buClr>
-                <a:schemeClr val="dk1"/>
-              </a:buClr>
-              <a:buSzPts val="2800"/>
-              <a:buNone/>
-              <a:defRPr/>
-            </a:pPr>
-            <a:r>
-              <a:rPr lang="ru-RU" sz="2800"/>
-              <a:t>Анимация(слайдер)</a:t>
-            </a:r>
-            <a:endParaRPr/>
-          </a:p>
-        </p:txBody>
-      </p:sp>
-      <p:sp>
-        <p:nvSpPr>
-          <p:cNvPr id="20" name="Google Shape;20;p2"/>
-          <p:cNvSpPr txBox="1"/>
-          <p:nvPr>
-            <p:ph type="title"/>
-          </p:nvPr>
-        </p:nvSpPr>
-        <p:spPr bwMode="auto">
-          <a:xfrm>
-            <a:off x="840105" y="457200"/>
-            <a:ext cx="4252500" cy="1600200"/>
-          </a:xfrm>
-          <a:prstGeom prst="rect">
-            <a:avLst/>
-          </a:prstGeom>
-          <a:noFill/>
-          <a:ln>
-            <a:noFill/>
-          </a:ln>
-        </p:spPr>
-        <p:txBody>
-          <a:bodyPr spcFirstLastPara="1" wrap="square" lIns="91425" tIns="45700" rIns="91425" bIns="45700" anchor="b" anchorCtr="0">
-            <a:normAutofit/>
-          </a:bodyPr>
-          <a:lstStyle/>
-          <a:p>
-            <a:pPr marL="0" lvl="0" indent="0" algn="l">
-              <a:lnSpc>
-                <a:spcPct val="90000"/>
-              </a:lnSpc>
-              <a:spcBef>
-                <a:spcPts val="0"/>
-              </a:spcBef>
-              <a:spcAft>
-                <a:spcPts val="0"/>
-              </a:spcAft>
-              <a:buClr>
-                <a:schemeClr val="dk1"/>
-              </a:buClr>
-              <a:buSzPts val="6700"/>
-              <a:buFont typeface="Calibri"/>
-              <a:buNone/>
-              <a:defRPr/>
-            </a:pPr>
-            <a:r>
-              <a:rPr lang="ru-RU" sz="6700"/>
-              <a:t>JavaScript</a:t>
-            </a:r>
-            <a:endParaRPr/>
-          </a:p>
-        </p:txBody>
-      </p:sp>
-      <p:pic>
-        <p:nvPicPr>
-          <p:cNvPr id="117060637" name=""/>
-          <p:cNvPicPr>
-            <a:picLocks noChangeAspect="1"/>
-          </p:cNvPicPr>
-          <p:nvPr/>
-        </p:nvPicPr>
-        <p:blipFill>
-          <a:blip r:embed="rId2"/>
-          <a:stretch/>
-        </p:blipFill>
-        <p:spPr bwMode="auto">
-          <a:xfrm flipH="0" flipV="0">
-            <a:off x="6252276" y="457199"/>
-            <a:ext cx="5115545" cy="3903477"/>
-          </a:xfrm>
-          <a:prstGeom prst="rect">
-            <a:avLst/>
-          </a:prstGeom>
-        </p:spPr>
-      </p:pic>
-      <p:pic>
-        <p:nvPicPr>
-          <p:cNvPr id="278201905" name=""/>
-          <p:cNvPicPr>
-            <a:picLocks noChangeAspect="1"/>
-          </p:cNvPicPr>
-          <p:nvPr/>
-        </p:nvPicPr>
-        <p:blipFill>
-          <a:blip r:embed="rId3"/>
-          <a:stretch/>
-        </p:blipFill>
-        <p:spPr bwMode="auto">
-          <a:xfrm flipH="0" flipV="0">
-            <a:off x="770306" y="2597334"/>
-            <a:ext cx="4614901" cy="3848653"/>
-          </a:xfrm>
-          <a:prstGeom prst="rect">
-            <a:avLst/>
-          </a:prstGeom>
-        </p:spPr>
-      </p:pic>
-    </p:spTree>
-  </p:cSld>
-  <p:clrMapOvr>
-    <a:masterClrMapping/>
-  </p:clrMapOvr>
-  <mc:AlternateContent xmlns:mc="http://schemas.openxmlformats.org/markup-compatibility/2006">
-    <mc:Choice xmlns:p14="http://schemas.microsoft.com/office/powerpoint/2010/main" Requires="p14">
-      <p:transition p14:dur="2000" advClick="1"/>
-    </mc:Choice>
-    <mc:Fallback>
-      <p:transition advClick="1"/>
-    </mc:Fallback>
-  </mc:AlternateContent>
-</p:sld>
-</file>
-
-<file path=ppt/slides/slide6.xml><?xml version="1.0" encoding="utf-8"?>
-<p:sld xmlns:a="http://schemas.openxmlformats.org/drawingml/2006/main" xmlns:r="http://schemas.openxmlformats.org/officeDocument/2006/relationships" xmlns:p="http://schemas.openxmlformats.org/presentationml/2006/main" xmlns:m="http://schemas.openxmlformats.org/officeDocument/2006/math" xmlns:w="http://schemas.openxmlformats.org/wordprocessingml/2006/main" showMasterPhAnim="0" show="1">
-  <p:cSld name="">
-    <p:spTree>
-      <p:nvGrpSpPr>
-        <p:cNvPr id="1" name=""/>
-        <p:cNvGrpSpPr/>
-        <p:nvPr/>
-      </p:nvGrpSpPr>
-      <p:grpSpPr bwMode="auto">
-        <a:xfrm>
-          <a:off x="0" y="0"/>
-          <a:ext cx="0" cy="0"/>
-          <a:chOff x="0" y="0"/>
-          <a:chExt cx="0" cy="0"/>
-        </a:xfrm>
-      </p:grpSpPr>
-      <p:sp>
-        <p:nvSpPr>
-          <p:cNvPr id="2" name="Заголовок 1"/>
-          <p:cNvSpPr>
-            <a:spLocks noGrp="1"/>
-          </p:cNvSpPr>
-          <p:nvPr>
-            <p:ph type="title"/>
-          </p:nvPr>
-        </p:nvSpPr>
-        <p:spPr bwMode="auto">
-          <a:xfrm>
-            <a:off x="197404" y="973115"/>
-            <a:ext cx="10515600" cy="1325563"/>
-          </a:xfrm>
-        </p:spPr>
-        <p:txBody>
-          <a:bodyPr>
-            <a:normAutofit/>
-          </a:bodyPr>
-          <a:lstStyle/>
-          <a:p>
-            <a:pPr>
-              <a:defRPr/>
-            </a:pPr>
-            <a:r>
-              <a:rPr lang="ru-RU" sz="6700" b="0">
-                <a:latin typeface="Calibri"/>
-              </a:rPr>
-              <a:t>Дизайн сайта</a:t>
-            </a:r>
-            <a:endParaRPr lang="en-US" sz="6700" b="1">
-              <a:latin typeface="Calibri"/>
-            </a:endParaRPr>
-          </a:p>
-        </p:txBody>
-      </p:sp>
-      <p:sp>
-        <p:nvSpPr>
-          <p:cNvPr id="8" name="Замещающее содержимое 7"/>
-          <p:cNvSpPr>
-            <a:spLocks noGrp="1"/>
-          </p:cNvSpPr>
-          <p:nvPr>
-            <p:ph sz="quarter" idx="4"/>
-          </p:nvPr>
-        </p:nvSpPr>
-        <p:spPr bwMode="auto">
-          <a:xfrm>
-            <a:off x="6172200" y="2426970"/>
-            <a:ext cx="5748655" cy="4221480"/>
-          </a:xfrm>
-        </p:spPr>
-        <p:txBody>
-          <a:bodyPr/>
-          <a:lstStyle/>
-          <a:p>
-            <a:pPr>
-              <a:defRPr/>
-            </a:pPr>
-            <a:endParaRPr lang="ru-RU"/>
-          </a:p>
-        </p:txBody>
-      </p:sp>
-      <p:pic>
-        <p:nvPicPr>
-          <p:cNvPr id="109150621" name=""/>
-          <p:cNvPicPr>
-            <a:picLocks noChangeAspect="1"/>
-          </p:cNvPicPr>
-          <p:nvPr/>
-        </p:nvPicPr>
-        <p:blipFill>
-          <a:blip r:embed="rId2"/>
-          <a:stretch/>
-        </p:blipFill>
-        <p:spPr bwMode="auto">
-          <a:xfrm flipH="0" flipV="0">
-            <a:off x="6033717" y="316149"/>
-            <a:ext cx="5587484" cy="3315325"/>
-          </a:xfrm>
-          <a:prstGeom prst="rect">
-            <a:avLst/>
-          </a:prstGeom>
-        </p:spPr>
-      </p:pic>
-      <p:pic>
-        <p:nvPicPr>
-          <p:cNvPr id="248428008" name=""/>
-          <p:cNvPicPr>
-            <a:picLocks noChangeAspect="1"/>
-          </p:cNvPicPr>
-          <p:nvPr/>
-        </p:nvPicPr>
-        <p:blipFill>
-          <a:blip r:embed="rId3"/>
-          <a:stretch/>
-        </p:blipFill>
-        <p:spPr bwMode="auto">
-          <a:xfrm flipH="0" flipV="0">
-            <a:off x="285382" y="3675894"/>
-            <a:ext cx="5812205" cy="2972555"/>
-          </a:xfrm>
-          <a:prstGeom prst="rect">
-            <a:avLst/>
-          </a:prstGeom>
-        </p:spPr>
-      </p:pic>
-    </p:spTree>
-  </p:cSld>
-  <p:clrMapOvr>
-    <a:masterClrMapping/>
-  </p:clrMapOvr>
-  <mc:AlternateContent xmlns:mc="http://schemas.openxmlformats.org/markup-compatibility/2006">
-    <mc:Choice xmlns:p14="http://schemas.microsoft.com/office/powerpoint/2010/main" Requires="p14">
-      <p:transition p14:dur="2000" advClick="1"/>
-    </mc:Choice>
-    <mc:Fallback>
-      <p:transition advClick="1"/>
-    </mc:Fallback>
-  </mc:AlternateContent>
-</p:sld>
-</file>
-
-<file path=ppt/slides/slide7.xml><?xml version="1.0" encoding="utf-8"?>
-<p:sld xmlns:a="http://schemas.openxmlformats.org/drawingml/2006/main" xmlns:r="http://schemas.openxmlformats.org/officeDocument/2006/relationships" xmlns:p="http://schemas.openxmlformats.org/presentationml/2006/main" xmlns:m="http://schemas.openxmlformats.org/officeDocument/2006/math" xmlns:w="http://schemas.openxmlformats.org/wordprocessingml/2006/main" showMasterPhAnim="0" show="1">
-  <p:cSld name="">
-    <p:spTree>
-      <p:nvGrpSpPr>
-        <p:cNvPr id="1" name=""/>
-        <p:cNvGrpSpPr/>
-        <p:nvPr/>
-      </p:nvGrpSpPr>
-      <p:grpSpPr bwMode="auto">
-        <a:xfrm>
-          <a:off x="0" y="0"/>
-          <a:ext cx="0" cy="0"/>
-          <a:chOff x="0" y="0"/>
-          <a:chExt cx="0" cy="0"/>
-        </a:xfrm>
-      </p:grpSpPr>
-      <p:sp>
-        <p:nvSpPr>
           <p:cNvPr id="25" name="Google Shape;25;p4"/>
-          <p:cNvSpPr txBox="1"/>
+          <p:cNvSpPr txBox="1">
+            <a:spLocks noGrp="1"/>
+          </p:cNvSpPr>
           <p:nvPr>
             <p:ph type="title"/>
           </p:nvPr>
@@ -5003,14 +4921,13 @@
               <a:defRPr/>
             </a:pPr>
             <a:r>
-              <a:rPr lang="ru-RU" sz="6000" b="0">
-                <a:latin typeface="Calibri"/>
+              <a:rPr lang="ru-RU" sz="6000" dirty="0">
                 <a:ea typeface="Calibri"/>
                 <a:cs typeface="Calibri"/>
               </a:rPr>
               <a:t>Масштабируемость</a:t>
             </a:r>
-            <a:endParaRPr b="0"/>
+            <a:endParaRPr dirty="0"/>
           </a:p>
         </p:txBody>
       </p:sp>
@@ -5142,20 +5059,12 @@
   <p:clrMapOvr>
     <a:masterClrMapping/>
   </p:clrMapOvr>
-  <mc:AlternateContent xmlns:mc="http://schemas.openxmlformats.org/markup-compatibility/2006">
-    <mc:Choice xmlns:p14="http://schemas.microsoft.com/office/powerpoint/2010/main" Requires="p14">
-      <p:transition p14:dur="2000" advClick="1"/>
-    </mc:Choice>
-    <mc:Fallback>
-      <p:transition advClick="1"/>
-    </mc:Fallback>
-  </mc:AlternateContent>
 </p:sld>
 </file>
 
-<file path=ppt/slides/slide8.xml><?xml version="1.0" encoding="utf-8"?>
-<p:sld xmlns:a="http://schemas.openxmlformats.org/drawingml/2006/main" xmlns:r="http://schemas.openxmlformats.org/officeDocument/2006/relationships" xmlns:p="http://schemas.openxmlformats.org/presentationml/2006/main" xmlns:m="http://schemas.openxmlformats.org/officeDocument/2006/math" xmlns:w="http://schemas.openxmlformats.org/wordprocessingml/2006/main" showMasterPhAnim="0" show="1">
-  <p:cSld name="">
+<file path=ppt/slides/slide6.xml><?xml version="1.0" encoding="utf-8"?>
+<p:sld xmlns:a="http://schemas.openxmlformats.org/drawingml/2006/main" xmlns:r="http://schemas.openxmlformats.org/officeDocument/2006/relationships" xmlns:p="http://schemas.openxmlformats.org/presentationml/2006/main" showMasterPhAnim="0">
+  <p:cSld>
     <p:spTree>
       <p:nvGrpSpPr>
         <p:cNvPr id="1" name=""/>
@@ -5173,7 +5082,9 @@
       <p:sp>
         <p:nvSpPr>
           <p:cNvPr id="28" name="Google Shape;28;p5"/>
-          <p:cNvSpPr txBox="1"/>
+          <p:cNvSpPr txBox="1">
+            <a:spLocks noGrp="1"/>
+          </p:cNvSpPr>
           <p:nvPr>
             <p:ph type="title"/>
           </p:nvPr>
@@ -5230,7 +5141,9 @@
       <p:sp>
         <p:nvSpPr>
           <p:cNvPr id="29" name="Google Shape;29;p5"/>
-          <p:cNvSpPr txBox="1"/>
+          <p:cNvSpPr txBox="1">
+            <a:spLocks noGrp="1"/>
+          </p:cNvSpPr>
           <p:nvPr>
             <p:ph type="body" idx="1"/>
           </p:nvPr>
@@ -5250,7 +5163,7 @@
         </p:spPr>
         <p:txBody>
           <a:bodyPr spcFirstLastPara="1" wrap="square" lIns="91425" tIns="45700" rIns="91425" bIns="45700" anchor="t" anchorCtr="0">
-            <a:normAutofit lnSpcReduction="10000"/>
+            <a:normAutofit/>
           </a:bodyPr>
           <a:lstStyle/>
           <a:p>
@@ -5348,20 +5261,12 @@
   <p:clrMapOvr>
     <a:masterClrMapping/>
   </p:clrMapOvr>
-  <mc:AlternateContent xmlns:mc="http://schemas.openxmlformats.org/markup-compatibility/2006">
-    <mc:Choice xmlns:p14="http://schemas.microsoft.com/office/powerpoint/2010/main" Requires="p14">
-      <p:transition p14:dur="2000" advClick="1"/>
-    </mc:Choice>
-    <mc:Fallback>
-      <p:transition advClick="1"/>
-    </mc:Fallback>
-  </mc:AlternateContent>
 </p:sld>
 </file>
 
-<file path=ppt/slides/slide9.xml><?xml version="1.0" encoding="utf-8"?>
-<p:sld xmlns:a="http://schemas.openxmlformats.org/drawingml/2006/main" xmlns:r="http://schemas.openxmlformats.org/officeDocument/2006/relationships" xmlns:p="http://schemas.openxmlformats.org/presentationml/2006/main" xmlns:m="http://schemas.openxmlformats.org/officeDocument/2006/math" xmlns:w="http://schemas.openxmlformats.org/wordprocessingml/2006/main" showMasterPhAnim="0" show="1">
-  <p:cSld name="">
+<file path=ppt/slides/slide7.xml><?xml version="1.0" encoding="utf-8"?>
+<p:sld xmlns:a="http://schemas.openxmlformats.org/drawingml/2006/main" xmlns:r="http://schemas.openxmlformats.org/officeDocument/2006/relationships" xmlns:p="http://schemas.openxmlformats.org/presentationml/2006/main" showMasterPhAnim="0">
+  <p:cSld>
     <p:spTree>
       <p:nvGrpSpPr>
         <p:cNvPr id="1" name=""/>
@@ -5379,7 +5284,9 @@
       <p:sp>
         <p:nvSpPr>
           <p:cNvPr id="31" name="Google Shape;31;p6"/>
-          <p:cNvSpPr txBox="1"/>
+          <p:cNvSpPr txBox="1">
+            <a:spLocks noGrp="1"/>
+          </p:cNvSpPr>
           <p:nvPr>
             <p:ph type="ctrTitle"/>
           </p:nvPr>
@@ -5432,7 +5339,9 @@
       <p:sp>
         <p:nvSpPr>
           <p:cNvPr id="32" name="Google Shape;32;p6"/>
-          <p:cNvSpPr txBox="1"/>
+          <p:cNvSpPr txBox="1">
+            <a:spLocks noGrp="1"/>
+          </p:cNvSpPr>
           <p:nvPr>
             <p:ph type="subTitle" idx="1"/>
           </p:nvPr>
@@ -5558,19 +5467,11 @@
   <p:clrMapOvr>
     <a:masterClrMapping/>
   </p:clrMapOvr>
-  <mc:AlternateContent xmlns:mc="http://schemas.openxmlformats.org/markup-compatibility/2006">
-    <mc:Choice xmlns:p14="http://schemas.microsoft.com/office/powerpoint/2010/main" Requires="p14">
-      <p:transition p14:dur="2000" advClick="1"/>
-    </mc:Choice>
-    <mc:Fallback>
-      <p:transition advClick="1"/>
-    </mc:Fallback>
-  </mc:AlternateContent>
 </p:sld>
 </file>
 
 <file path=ppt/theme/theme1.xml><?xml version="1.0" encoding="utf-8"?>
-<a:theme xmlns:a="http://schemas.openxmlformats.org/drawingml/2006/main" xmlns:r="http://schemas.openxmlformats.org/officeDocument/2006/relationships" xmlns:p="http://schemas.openxmlformats.org/presentationml/2006/main" name="Тема Office">
+<a:theme xmlns:a="http://schemas.openxmlformats.org/drawingml/2006/main" name="Тема Office">
   <a:themeElements>
     <a:clrScheme name="Стандартная">
       <a:dk1>
@@ -5773,11 +5674,12 @@
     </a:fmtScheme>
   </a:themeElements>
   <a:objectDefaults/>
+  <a:extraClrSchemeLst/>
 </a:theme>
 </file>
 
 <file path=ppt/theme/theme2.xml><?xml version="1.0" encoding="utf-8"?>
-<a:theme xmlns:a="http://schemas.openxmlformats.org/drawingml/2006/main" xmlns:r="http://schemas.openxmlformats.org/officeDocument/2006/relationships" xmlns:p="http://schemas.openxmlformats.org/presentationml/2006/main" name="Тема Office">
+<a:theme xmlns:a="http://schemas.openxmlformats.org/drawingml/2006/main" name="Тема Office">
   <a:themeElements>
     <a:clrScheme name="Стандартная">
       <a:dk1>
@@ -5980,5 +5882,6 @@
     </a:fmtScheme>
   </a:themeElements>
   <a:objectDefaults/>
+  <a:extraClrSchemeLst/>
 </a:theme>
 </file>